--- a/05 - Decision Tree/slides.pptx
+++ b/05 - Decision Tree/slides.pptx
@@ -14742,10 +14742,10 @@
       </p:pic>
       <p:pic>
         <p:nvPicPr>
-          <p:cNvPr id="6" name="Immagine 5">
+          <p:cNvPr id="2" name="Immagine 1" descr="Immagine che contiene Carattere, Elementi grafici, logo, cerchio&#10;&#10;Descrizione generata automaticamente">
             <a:extLst>
               <a:ext uri="{FF2B5EF4-FFF2-40B4-BE49-F238E27FC236}">
-                <a16:creationId xmlns:a16="http://schemas.microsoft.com/office/drawing/2014/main" id="{948EE01E-DF06-B6D7-4EAB-C2577F22820A}"/>
+                <a16:creationId xmlns:a16="http://schemas.microsoft.com/office/drawing/2014/main" id="{DD709039-124F-9734-61F9-9809769A8E17}"/>
               </a:ext>
             </a:extLst>
           </p:cNvPr>
@@ -14762,8 +14762,8 @@
         </p:blipFill>
         <p:spPr>
           <a:xfrm>
-            <a:off x="5388429" y="4371481"/>
-            <a:ext cx="3443871" cy="2295913"/>
+            <a:off x="8657668" y="99752"/>
+            <a:ext cx="407258" cy="495579"/>
           </a:xfrm>
           <a:prstGeom prst="rect">
             <a:avLst/>
@@ -14772,10 +14772,10 @@
       </p:pic>
       <p:pic>
         <p:nvPicPr>
-          <p:cNvPr id="2" name="Immagine 1" descr="Immagine che contiene Carattere, Elementi grafici, logo, cerchio&#10;&#10;Descrizione generata automaticamente">
+          <p:cNvPr id="5" name="Immagine 4" descr="Immagine che contiene linea, diagramma, Diagramma&#10;&#10;Descrizione generata automaticamente">
             <a:extLst>
               <a:ext uri="{FF2B5EF4-FFF2-40B4-BE49-F238E27FC236}">
-                <a16:creationId xmlns:a16="http://schemas.microsoft.com/office/drawing/2014/main" id="{DD709039-124F-9734-61F9-9809769A8E17}"/>
+                <a16:creationId xmlns:a16="http://schemas.microsoft.com/office/drawing/2014/main" id="{F00252BF-4180-9A8B-F670-0470A9A914EE}"/>
               </a:ext>
             </a:extLst>
           </p:cNvPr>
@@ -14792,8 +14792,8 @@
         </p:blipFill>
         <p:spPr>
           <a:xfrm>
-            <a:off x="8657668" y="99752"/>
-            <a:ext cx="407258" cy="495579"/>
+            <a:off x="5821219" y="4310604"/>
+            <a:ext cx="3160031" cy="2348230"/>
           </a:xfrm>
           <a:prstGeom prst="rect">
             <a:avLst/>
@@ -16857,7 +16857,7 @@
             <a:pPr lvl="1"/>
             <a:r>
               <a:rPr lang="en-GB" dirty="0"/>
-              <a:t>with an high risk of overfitting</a:t>
+              <a:t>with high risk of overfitting</a:t>
             </a:r>
           </a:p>
           <a:p>
@@ -18856,8 +18856,8 @@
         </p:nvSpPr>
         <p:spPr>
           <a:xfrm>
-            <a:off x="120546" y="1212537"/>
-            <a:ext cx="8818500" cy="5224230"/>
+            <a:off x="143406" y="1361127"/>
+            <a:ext cx="8818500" cy="4879653"/>
           </a:xfrm>
           <a:prstGeom prst="rect">
             <a:avLst/>
@@ -18962,7 +18962,7 @@
             <a:pPr lvl="1"/>
             <a:r>
               <a:rPr lang="en-GB" dirty="0"/>
-              <a:t>make great predictions, but it is hard to explain in simple terms why the predictions were made </a:t>
+              <a:t>make great predictions, but it is hard to explain why the predictions were made </a:t>
             </a:r>
           </a:p>
           <a:p>
@@ -19000,13 +19000,6 @@
               <a:rPr lang="en-GB" dirty="0"/>
               <a:t> to the training data, and that don’t generalize well to unseen data</a:t>
             </a:r>
-            <a:endParaRPr lang="en-GB" b="1" dirty="0"/>
-          </a:p>
-          <a:p>
-            <a:pPr marL="590550" lvl="1" indent="0">
-              <a:buNone/>
-            </a:pPr>
-            <a:endParaRPr lang="en-GB" dirty="0"/>
           </a:p>
           <a:p>
             <a:pPr lvl="1"/>

--- a/05 - Decision Tree/slides.pptx
+++ b/05 - Decision Tree/slides.pptx
@@ -20963,4 +20963,237 @@
   <a:objectDefaults/>
   <a:extraClrSchemeLst/>
 </a:theme>
+</file>
+
+<file path=customXml/item1.xml><?xml version="1.0" encoding="utf-8"?>
+<ct:contentTypeSchema xmlns:ct="http://schemas.microsoft.com/office/2006/metadata/contentType" xmlns:ma="http://schemas.microsoft.com/office/2006/metadata/properties/metaAttributes" ct:_="" ma:_="" ma:contentTypeName="Documento" ma:contentTypeID="0x010100B8FA822B18A0634FB7342CF29752587A" ma:contentTypeVersion="12" ma:contentTypeDescription="Creare un nuovo documento." ma:contentTypeScope="" ma:versionID="4c8b1e8002f5a6c880c83187af115cef">
+  <xsd:schema xmlns:xsd="http://www.w3.org/2001/XMLSchema" xmlns:xs="http://www.w3.org/2001/XMLSchema" xmlns:p="http://schemas.microsoft.com/office/2006/metadata/properties" xmlns:ns2="3bd0d43f-5e5b-43cd-b6fc-691bd77672c6" xmlns:ns3="e9b5433c-2372-4cb7-8bab-09518096b29b" targetNamespace="http://schemas.microsoft.com/office/2006/metadata/properties" ma:root="true" ma:fieldsID="618b708abf3b656f834d84e193700042" ns2:_="" ns3:_="">
+    <xsd:import namespace="3bd0d43f-5e5b-43cd-b6fc-691bd77672c6"/>
+    <xsd:import namespace="e9b5433c-2372-4cb7-8bab-09518096b29b"/>
+    <xsd:element name="properties">
+      <xsd:complexType>
+        <xsd:sequence>
+          <xsd:element name="documentManagement">
+            <xsd:complexType>
+              <xsd:all>
+                <xsd:element ref="ns2:MediaServiceMetadata" minOccurs="0"/>
+                <xsd:element ref="ns2:MediaServiceFastMetadata" minOccurs="0"/>
+                <xsd:element ref="ns2:MediaServiceSearchProperties" minOccurs="0"/>
+                <xsd:element ref="ns2:MediaServiceObjectDetectorVersions" minOccurs="0"/>
+                <xsd:element ref="ns2:lcf76f155ced4ddcb4097134ff3c332f" minOccurs="0"/>
+                <xsd:element ref="ns3:TaxCatchAll" minOccurs="0"/>
+                <xsd:element ref="ns2:MediaServiceDateTaken" minOccurs="0"/>
+                <xsd:element ref="ns2:MediaServiceOCR" minOccurs="0"/>
+                <xsd:element ref="ns2:MediaServiceGenerationTime" minOccurs="0"/>
+                <xsd:element ref="ns2:MediaServiceEventHashCode" minOccurs="0"/>
+                <xsd:element ref="ns2:MediaLengthInSeconds" minOccurs="0"/>
+              </xsd:all>
+            </xsd:complexType>
+          </xsd:element>
+        </xsd:sequence>
+      </xsd:complexType>
+    </xsd:element>
+  </xsd:schema>
+  <xsd:schema xmlns:xsd="http://www.w3.org/2001/XMLSchema" xmlns:xs="http://www.w3.org/2001/XMLSchema" xmlns:dms="http://schemas.microsoft.com/office/2006/documentManagement/types" xmlns:pc="http://schemas.microsoft.com/office/infopath/2007/PartnerControls" targetNamespace="3bd0d43f-5e5b-43cd-b6fc-691bd77672c6" elementFormDefault="qualified">
+    <xsd:import namespace="http://schemas.microsoft.com/office/2006/documentManagement/types"/>
+    <xsd:import namespace="http://schemas.microsoft.com/office/infopath/2007/PartnerControls"/>
+    <xsd:element name="MediaServiceMetadata" ma:index="8" nillable="true" ma:displayName="MediaServiceMetadata" ma:hidden="true" ma:internalName="MediaServiceMetadata" ma:readOnly="true">
+      <xsd:simpleType>
+        <xsd:restriction base="dms:Note"/>
+      </xsd:simpleType>
+    </xsd:element>
+    <xsd:element name="MediaServiceFastMetadata" ma:index="9" nillable="true" ma:displayName="MediaServiceFastMetadata" ma:hidden="true" ma:internalName="MediaServiceFastMetadata" ma:readOnly="true">
+      <xsd:simpleType>
+        <xsd:restriction base="dms:Note"/>
+      </xsd:simpleType>
+    </xsd:element>
+    <xsd:element name="MediaServiceSearchProperties" ma:index="10" nillable="true" ma:displayName="MediaServiceSearchProperties" ma:hidden="true" ma:internalName="MediaServiceSearchProperties" ma:readOnly="true">
+      <xsd:simpleType>
+        <xsd:restriction base="dms:Note"/>
+      </xsd:simpleType>
+    </xsd:element>
+    <xsd:element name="MediaServiceObjectDetectorVersions" ma:index="11" nillable="true" ma:displayName="MediaServiceObjectDetectorVersions" ma:hidden="true" ma:indexed="true" ma:internalName="MediaServiceObjectDetectorVersions" ma:readOnly="true">
+      <xsd:simpleType>
+        <xsd:restriction base="dms:Text"/>
+      </xsd:simpleType>
+    </xsd:element>
+    <xsd:element name="lcf76f155ced4ddcb4097134ff3c332f" ma:index="13" nillable="true" ma:taxonomy="true" ma:internalName="lcf76f155ced4ddcb4097134ff3c332f" ma:taxonomyFieldName="MediaServiceImageTags" ma:displayName="Tag immagine" ma:readOnly="false" ma:fieldId="{5cf76f15-5ced-4ddc-b409-7134ff3c332f}" ma:taxonomyMulti="true" ma:sspId="b3f316dc-fb4b-4146-8b22-f4ef2efe4b04" ma:termSetId="09814cd3-568e-fe90-9814-8d621ff8fb84" ma:anchorId="fba54fb3-c3e1-fe81-a776-ca4b69148c4d" ma:open="true" ma:isKeyword="false">
+      <xsd:complexType>
+        <xsd:sequence>
+          <xsd:element ref="pc:Terms" minOccurs="0" maxOccurs="1"/>
+        </xsd:sequence>
+      </xsd:complexType>
+    </xsd:element>
+    <xsd:element name="MediaServiceDateTaken" ma:index="15" nillable="true" ma:displayName="MediaServiceDateTaken" ma:hidden="true" ma:indexed="true" ma:internalName="MediaServiceDateTaken" ma:readOnly="true">
+      <xsd:simpleType>
+        <xsd:restriction base="dms:Text"/>
+      </xsd:simpleType>
+    </xsd:element>
+    <xsd:element name="MediaServiceOCR" ma:index="16" nillable="true" ma:displayName="Extracted Text" ma:internalName="MediaServiceOCR" ma:readOnly="true">
+      <xsd:simpleType>
+        <xsd:restriction base="dms:Note">
+          <xsd:maxLength value="255"/>
+        </xsd:restriction>
+      </xsd:simpleType>
+    </xsd:element>
+    <xsd:element name="MediaServiceGenerationTime" ma:index="17" nillable="true" ma:displayName="MediaServiceGenerationTime" ma:hidden="true" ma:internalName="MediaServiceGenerationTime" ma:readOnly="true">
+      <xsd:simpleType>
+        <xsd:restriction base="dms:Text"/>
+      </xsd:simpleType>
+    </xsd:element>
+    <xsd:element name="MediaServiceEventHashCode" ma:index="18" nillable="true" ma:displayName="MediaServiceEventHashCode" ma:hidden="true" ma:internalName="MediaServiceEventHashCode" ma:readOnly="true">
+      <xsd:simpleType>
+        <xsd:restriction base="dms:Text"/>
+      </xsd:simpleType>
+    </xsd:element>
+    <xsd:element name="MediaLengthInSeconds" ma:index="19" nillable="true" ma:displayName="MediaLengthInSeconds" ma:hidden="true" ma:internalName="MediaLengthInSeconds" ma:readOnly="true">
+      <xsd:simpleType>
+        <xsd:restriction base="dms:Unknown"/>
+      </xsd:simpleType>
+    </xsd:element>
+  </xsd:schema>
+  <xsd:schema xmlns:xsd="http://www.w3.org/2001/XMLSchema" xmlns:xs="http://www.w3.org/2001/XMLSchema" xmlns:dms="http://schemas.microsoft.com/office/2006/documentManagement/types" xmlns:pc="http://schemas.microsoft.com/office/infopath/2007/PartnerControls" targetNamespace="e9b5433c-2372-4cb7-8bab-09518096b29b" elementFormDefault="qualified">
+    <xsd:import namespace="http://schemas.microsoft.com/office/2006/documentManagement/types"/>
+    <xsd:import namespace="http://schemas.microsoft.com/office/infopath/2007/PartnerControls"/>
+    <xsd:element name="TaxCatchAll" ma:index="14" nillable="true" ma:displayName="Taxonomy Catch All Column" ma:hidden="true" ma:list="{ac4bbe8c-9a55-4d5f-b385-d948ddfe6c4d}" ma:internalName="TaxCatchAll" ma:showField="CatchAllData" ma:web="e9b5433c-2372-4cb7-8bab-09518096b29b">
+      <xsd:complexType>
+        <xsd:complexContent>
+          <xsd:extension base="dms:MultiChoiceLookup">
+            <xsd:sequence>
+              <xsd:element name="Value" type="dms:Lookup" maxOccurs="unbounded" minOccurs="0" nillable="true"/>
+            </xsd:sequence>
+          </xsd:extension>
+        </xsd:complexContent>
+      </xsd:complexType>
+    </xsd:element>
+  </xsd:schema>
+  <xsd:schema xmlns="http://schemas.openxmlformats.org/package/2006/metadata/core-properties" xmlns:xsd="http://www.w3.org/2001/XMLSchema" xmlns:xsi="http://www.w3.org/2001/XMLSchema-instance" xmlns:dc="http://purl.org/dc/elements/1.1/" xmlns:dcterms="http://purl.org/dc/terms/" xmlns:odoc="http://schemas.microsoft.com/internal/obd" targetNamespace="http://schemas.openxmlformats.org/package/2006/metadata/core-properties" elementFormDefault="qualified" attributeFormDefault="unqualified" blockDefault="#all">
+    <xsd:import namespace="http://purl.org/dc/elements/1.1/" schemaLocation="http://dublincore.org/schemas/xmls/qdc/2003/04/02/dc.xsd"/>
+    <xsd:import namespace="http://purl.org/dc/terms/" schemaLocation="http://dublincore.org/schemas/xmls/qdc/2003/04/02/dcterms.xsd"/>
+    <xsd:element name="coreProperties" type="CT_coreProperties"/>
+    <xsd:complexType name="CT_coreProperties">
+      <xsd:all>
+        <xsd:element ref="dc:creator" minOccurs="0" maxOccurs="1"/>
+        <xsd:element ref="dcterms:created" minOccurs="0" maxOccurs="1"/>
+        <xsd:element ref="dc:identifier" minOccurs="0" maxOccurs="1"/>
+        <xsd:element name="contentType" minOccurs="0" maxOccurs="1" type="xsd:string" ma:index="0" ma:displayName="Tipo di contenuto"/>
+        <xsd:element ref="dc:title" minOccurs="0" maxOccurs="1" ma:index="4" ma:displayName="Titolo"/>
+        <xsd:element ref="dc:subject" minOccurs="0" maxOccurs="1"/>
+        <xsd:element ref="dc:description" minOccurs="0" maxOccurs="1"/>
+        <xsd:element name="keywords" minOccurs="0" maxOccurs="1" type="xsd:string"/>
+        <xsd:element ref="dc:language" minOccurs="0" maxOccurs="1"/>
+        <xsd:element name="category" minOccurs="0" maxOccurs="1" type="xsd:string"/>
+        <xsd:element name="version" minOccurs="0" maxOccurs="1" type="xsd:string"/>
+        <xsd:element name="revision" minOccurs="0" maxOccurs="1" type="xsd:string">
+          <xsd:annotation>
+            <xsd:documentation>
+                        This value indicates the number of saves or revisions. The application is responsible for updating this value after each revision.
+                    </xsd:documentation>
+          </xsd:annotation>
+        </xsd:element>
+        <xsd:element name="lastModifiedBy" minOccurs="0" maxOccurs="1" type="xsd:string"/>
+        <xsd:element ref="dcterms:modified" minOccurs="0" maxOccurs="1"/>
+        <xsd:element name="contentStatus" minOccurs="0" maxOccurs="1" type="xsd:string"/>
+      </xsd:all>
+    </xsd:complexType>
+  </xsd:schema>
+  <xs:schema xmlns:pc="http://schemas.microsoft.com/office/infopath/2007/PartnerControls" xmlns:xs="http://www.w3.org/2001/XMLSchema" targetNamespace="http://schemas.microsoft.com/office/infopath/2007/PartnerControls" elementFormDefault="qualified" attributeFormDefault="unqualified">
+    <xs:element name="Person">
+      <xs:complexType>
+        <xs:sequence>
+          <xs:element ref="pc:DisplayName" minOccurs="0"/>
+          <xs:element ref="pc:AccountId" minOccurs="0"/>
+          <xs:element ref="pc:AccountType" minOccurs="0"/>
+        </xs:sequence>
+      </xs:complexType>
+    </xs:element>
+    <xs:element name="DisplayName" type="xs:string"/>
+    <xs:element name="AccountId" type="xs:string"/>
+    <xs:element name="AccountType" type="xs:string"/>
+    <xs:element name="BDCAssociatedEntity">
+      <xs:complexType>
+        <xs:sequence>
+          <xs:element ref="pc:BDCEntity" minOccurs="0" maxOccurs="unbounded"/>
+        </xs:sequence>
+        <xs:attribute ref="pc:EntityNamespace"/>
+        <xs:attribute ref="pc:EntityName"/>
+        <xs:attribute ref="pc:SystemInstanceName"/>
+        <xs:attribute ref="pc:AssociationName"/>
+      </xs:complexType>
+    </xs:element>
+    <xs:attribute name="EntityNamespace" type="xs:string"/>
+    <xs:attribute name="EntityName" type="xs:string"/>
+    <xs:attribute name="SystemInstanceName" type="xs:string"/>
+    <xs:attribute name="AssociationName" type="xs:string"/>
+    <xs:element name="BDCEntity">
+      <xs:complexType>
+        <xs:sequence>
+          <xs:element ref="pc:EntityDisplayName" minOccurs="0"/>
+          <xs:element ref="pc:EntityInstanceReference" minOccurs="0"/>
+          <xs:element ref="pc:EntityId1" minOccurs="0"/>
+          <xs:element ref="pc:EntityId2" minOccurs="0"/>
+          <xs:element ref="pc:EntityId3" minOccurs="0"/>
+          <xs:element ref="pc:EntityId4" minOccurs="0"/>
+          <xs:element ref="pc:EntityId5" minOccurs="0"/>
+        </xs:sequence>
+      </xs:complexType>
+    </xs:element>
+    <xs:element name="EntityDisplayName" type="xs:string"/>
+    <xs:element name="EntityInstanceReference" type="xs:string"/>
+    <xs:element name="EntityId1" type="xs:string"/>
+    <xs:element name="EntityId2" type="xs:string"/>
+    <xs:element name="EntityId3" type="xs:string"/>
+    <xs:element name="EntityId4" type="xs:string"/>
+    <xs:element name="EntityId5" type="xs:string"/>
+    <xs:element name="Terms">
+      <xs:complexType>
+        <xs:sequence>
+          <xs:element ref="pc:TermInfo" minOccurs="0" maxOccurs="unbounded"/>
+        </xs:sequence>
+      </xs:complexType>
+    </xs:element>
+    <xs:element name="TermInfo">
+      <xs:complexType>
+        <xs:sequence>
+          <xs:element ref="pc:TermName" minOccurs="0"/>
+          <xs:element ref="pc:TermId" minOccurs="0"/>
+        </xs:sequence>
+      </xs:complexType>
+    </xs:element>
+    <xs:element name="TermName" type="xs:string"/>
+    <xs:element name="TermId" type="xs:string"/>
+  </xs:schema>
+</ct:contentTypeSchema>
+</file>
+
+<file path=customXml/item2.xml><?xml version="1.0" encoding="utf-8"?>
+<?mso-contentType ?>
+<FormTemplates xmlns="http://schemas.microsoft.com/sharepoint/v3/contenttype/forms">
+  <Display>DocumentLibraryForm</Display>
+  <Edit>DocumentLibraryForm</Edit>
+  <New>DocumentLibraryForm</New>
+</FormTemplates>
+</file>
+
+<file path=customXml/item3.xml><?xml version="1.0" encoding="utf-8"?>
+<p:properties xmlns:p="http://schemas.microsoft.com/office/2006/metadata/properties" xmlns:xsi="http://www.w3.org/2001/XMLSchema-instance" xmlns:pc="http://schemas.microsoft.com/office/infopath/2007/PartnerControls">
+  <documentManagement>
+    <TaxCatchAll xmlns="e9b5433c-2372-4cb7-8bab-09518096b29b" xsi:nil="true"/>
+    <lcf76f155ced4ddcb4097134ff3c332f xmlns="3bd0d43f-5e5b-43cd-b6fc-691bd77672c6">
+      <Terms xmlns="http://schemas.microsoft.com/office/infopath/2007/PartnerControls"/>
+    </lcf76f155ced4ddcb4097134ff3c332f>
+  </documentManagement>
+</p:properties>
+</file>
+
+<file path=customXml/itemProps1.xml><?xml version="1.0" encoding="utf-8"?>
+<ds:datastoreItem xmlns:ds="http://schemas.openxmlformats.org/officeDocument/2006/customXml" ds:itemID="{BC0A1A54-4CE6-4D45-91FC-05C33610AC1F}"/>
+</file>
+
+<file path=customXml/itemProps2.xml><?xml version="1.0" encoding="utf-8"?>
+<ds:datastoreItem xmlns:ds="http://schemas.openxmlformats.org/officeDocument/2006/customXml" ds:itemID="{6AE1654B-47F0-4A97-9CB6-F1820005871B}"/>
+</file>
+
+<file path=customXml/itemProps3.xml><?xml version="1.0" encoding="utf-8"?>
+<ds:datastoreItem xmlns:ds="http://schemas.openxmlformats.org/officeDocument/2006/customXml" ds:itemID="{E197A95C-AD69-44CD-A075-D44E8E30490C}"/>
 </file>